--- a/online_discuss/csapp2-高速缓存.pptx
+++ b/online_discuss/csapp2-高速缓存.pptx
@@ -15,11 +15,6 @@
     <p:sldId id="268" r:id="rId9"/>
     <p:sldId id="270" r:id="rId10"/>
     <p:sldId id="269" r:id="rId11"/>
-    <p:sldId id="258" r:id="rId12"/>
-    <p:sldId id="259" r:id="rId13"/>
-    <p:sldId id="260" r:id="rId14"/>
-    <p:sldId id="261" r:id="rId15"/>
-    <p:sldId id="262" r:id="rId16"/>
   </p:sldIdLst>
   <p:sldSz cx="12192000" cy="6858000"/>
   <p:notesSz cx="6858000" cy="9144000"/>
@@ -4227,406 +4222,6 @@
 </p:sld>
 </file>
 
-<file path=ppt/slides/slide11.xml><?xml version="1.0" encoding="utf-8"?>
-<p:sld xmlns:a="http://schemas.openxmlformats.org/drawingml/2006/main" xmlns:r="http://schemas.openxmlformats.org/officeDocument/2006/relationships" xmlns:p="http://schemas.openxmlformats.org/presentationml/2006/main">
-  <p:cSld>
-    <p:spTree>
-      <p:nvGrpSpPr>
-        <p:cNvPr id="1" name=""/>
-        <p:cNvGrpSpPr/>
-        <p:nvPr/>
-      </p:nvGrpSpPr>
-      <p:grpSpPr>
-        <a:xfrm>
-          <a:off x="0" y="0"/>
-          <a:ext cx="0" cy="0"/>
-          <a:chOff x="0" y="0"/>
-          <a:chExt cx="0" cy="0"/>
-        </a:xfrm>
-      </p:grpSpPr>
-      <p:sp>
-        <p:nvSpPr>
-          <p:cNvPr id="2" name="标题 1">
-            <a:extLst>
-              <a:ext uri="{FF2B5EF4-FFF2-40B4-BE49-F238E27FC236}">
-                <a16:creationId xmlns:a16="http://schemas.microsoft.com/office/drawing/2014/main" id="{61995759-435D-0B48-B5BE-04C6F8FFC4EF}"/>
-              </a:ext>
-            </a:extLst>
-          </p:cNvPr>
-          <p:cNvSpPr>
-            <a:spLocks noGrp="1"/>
-          </p:cNvSpPr>
-          <p:nvPr>
-            <p:ph type="title"/>
-          </p:nvPr>
-        </p:nvSpPr>
-        <p:spPr/>
-        <p:txBody>
-          <a:bodyPr/>
-          <a:lstStyle/>
-          <a:p>
-            <a:endParaRPr kumimoji="1" lang="zh-CN" altLang="en-US"/>
-          </a:p>
-        </p:txBody>
-      </p:sp>
-      <p:sp>
-        <p:nvSpPr>
-          <p:cNvPr id="3" name="内容占位符 2">
-            <a:extLst>
-              <a:ext uri="{FF2B5EF4-FFF2-40B4-BE49-F238E27FC236}">
-                <a16:creationId xmlns:a16="http://schemas.microsoft.com/office/drawing/2014/main" id="{1D96FC59-B033-4040-9DB0-F296CD2DE6F5}"/>
-              </a:ext>
-            </a:extLst>
-          </p:cNvPr>
-          <p:cNvSpPr>
-            <a:spLocks noGrp="1"/>
-          </p:cNvSpPr>
-          <p:nvPr>
-            <p:ph idx="1"/>
-          </p:nvPr>
-        </p:nvSpPr>
-        <p:spPr/>
-        <p:txBody>
-          <a:bodyPr/>
-          <a:lstStyle/>
-          <a:p>
-            <a:endParaRPr kumimoji="1" lang="zh-CN" altLang="en-US"/>
-          </a:p>
-        </p:txBody>
-      </p:sp>
-    </p:spTree>
-    <p:extLst>
-      <p:ext uri="{BB962C8B-B14F-4D97-AF65-F5344CB8AC3E}">
-        <p14:creationId xmlns:p14="http://schemas.microsoft.com/office/powerpoint/2010/main" val="2474485596"/>
-      </p:ext>
-    </p:extLst>
-  </p:cSld>
-  <p:clrMapOvr>
-    <a:masterClrMapping/>
-  </p:clrMapOvr>
-</p:sld>
-</file>
-
-<file path=ppt/slides/slide12.xml><?xml version="1.0" encoding="utf-8"?>
-<p:sld xmlns:a="http://schemas.openxmlformats.org/drawingml/2006/main" xmlns:r="http://schemas.openxmlformats.org/officeDocument/2006/relationships" xmlns:p="http://schemas.openxmlformats.org/presentationml/2006/main">
-  <p:cSld>
-    <p:spTree>
-      <p:nvGrpSpPr>
-        <p:cNvPr id="1" name=""/>
-        <p:cNvGrpSpPr/>
-        <p:nvPr/>
-      </p:nvGrpSpPr>
-      <p:grpSpPr>
-        <a:xfrm>
-          <a:off x="0" y="0"/>
-          <a:ext cx="0" cy="0"/>
-          <a:chOff x="0" y="0"/>
-          <a:chExt cx="0" cy="0"/>
-        </a:xfrm>
-      </p:grpSpPr>
-      <p:sp>
-        <p:nvSpPr>
-          <p:cNvPr id="2" name="标题 1">
-            <a:extLst>
-              <a:ext uri="{FF2B5EF4-FFF2-40B4-BE49-F238E27FC236}">
-                <a16:creationId xmlns:a16="http://schemas.microsoft.com/office/drawing/2014/main" id="{08036480-EA55-2C4C-8530-5C97E6D04D8C}"/>
-              </a:ext>
-            </a:extLst>
-          </p:cNvPr>
-          <p:cNvSpPr>
-            <a:spLocks noGrp="1"/>
-          </p:cNvSpPr>
-          <p:nvPr>
-            <p:ph type="title"/>
-          </p:nvPr>
-        </p:nvSpPr>
-        <p:spPr/>
-        <p:txBody>
-          <a:bodyPr/>
-          <a:lstStyle/>
-          <a:p>
-            <a:endParaRPr kumimoji="1" lang="zh-CN" altLang="en-US"/>
-          </a:p>
-        </p:txBody>
-      </p:sp>
-      <p:sp>
-        <p:nvSpPr>
-          <p:cNvPr id="3" name="内容占位符 2">
-            <a:extLst>
-              <a:ext uri="{FF2B5EF4-FFF2-40B4-BE49-F238E27FC236}">
-                <a16:creationId xmlns:a16="http://schemas.microsoft.com/office/drawing/2014/main" id="{D034C99D-6309-BC4D-BF39-96385DE00466}"/>
-              </a:ext>
-            </a:extLst>
-          </p:cNvPr>
-          <p:cNvSpPr>
-            <a:spLocks noGrp="1"/>
-          </p:cNvSpPr>
-          <p:nvPr>
-            <p:ph idx="1"/>
-          </p:nvPr>
-        </p:nvSpPr>
-        <p:spPr/>
-        <p:txBody>
-          <a:bodyPr/>
-          <a:lstStyle/>
-          <a:p>
-            <a:endParaRPr kumimoji="1" lang="zh-CN" altLang="en-US"/>
-          </a:p>
-        </p:txBody>
-      </p:sp>
-    </p:spTree>
-    <p:extLst>
-      <p:ext uri="{BB962C8B-B14F-4D97-AF65-F5344CB8AC3E}">
-        <p14:creationId xmlns:p14="http://schemas.microsoft.com/office/powerpoint/2010/main" val="654691889"/>
-      </p:ext>
-    </p:extLst>
-  </p:cSld>
-  <p:clrMapOvr>
-    <a:masterClrMapping/>
-  </p:clrMapOvr>
-</p:sld>
-</file>
-
-<file path=ppt/slides/slide13.xml><?xml version="1.0" encoding="utf-8"?>
-<p:sld xmlns:a="http://schemas.openxmlformats.org/drawingml/2006/main" xmlns:r="http://schemas.openxmlformats.org/officeDocument/2006/relationships" xmlns:p="http://schemas.openxmlformats.org/presentationml/2006/main">
-  <p:cSld>
-    <p:spTree>
-      <p:nvGrpSpPr>
-        <p:cNvPr id="1" name=""/>
-        <p:cNvGrpSpPr/>
-        <p:nvPr/>
-      </p:nvGrpSpPr>
-      <p:grpSpPr>
-        <a:xfrm>
-          <a:off x="0" y="0"/>
-          <a:ext cx="0" cy="0"/>
-          <a:chOff x="0" y="0"/>
-          <a:chExt cx="0" cy="0"/>
-        </a:xfrm>
-      </p:grpSpPr>
-      <p:sp>
-        <p:nvSpPr>
-          <p:cNvPr id="2" name="标题 1">
-            <a:extLst>
-              <a:ext uri="{FF2B5EF4-FFF2-40B4-BE49-F238E27FC236}">
-                <a16:creationId xmlns:a16="http://schemas.microsoft.com/office/drawing/2014/main" id="{E4C30B7C-0D97-4B45-81A1-655C640F3B9C}"/>
-              </a:ext>
-            </a:extLst>
-          </p:cNvPr>
-          <p:cNvSpPr>
-            <a:spLocks noGrp="1"/>
-          </p:cNvSpPr>
-          <p:nvPr>
-            <p:ph type="title"/>
-          </p:nvPr>
-        </p:nvSpPr>
-        <p:spPr/>
-        <p:txBody>
-          <a:bodyPr/>
-          <a:lstStyle/>
-          <a:p>
-            <a:endParaRPr kumimoji="1" lang="zh-CN" altLang="en-US"/>
-          </a:p>
-        </p:txBody>
-      </p:sp>
-      <p:sp>
-        <p:nvSpPr>
-          <p:cNvPr id="3" name="内容占位符 2">
-            <a:extLst>
-              <a:ext uri="{FF2B5EF4-FFF2-40B4-BE49-F238E27FC236}">
-                <a16:creationId xmlns:a16="http://schemas.microsoft.com/office/drawing/2014/main" id="{FF5707D1-3110-C945-A0E3-58C4D0478CDC}"/>
-              </a:ext>
-            </a:extLst>
-          </p:cNvPr>
-          <p:cNvSpPr>
-            <a:spLocks noGrp="1"/>
-          </p:cNvSpPr>
-          <p:nvPr>
-            <p:ph idx="1"/>
-          </p:nvPr>
-        </p:nvSpPr>
-        <p:spPr/>
-        <p:txBody>
-          <a:bodyPr/>
-          <a:lstStyle/>
-          <a:p>
-            <a:endParaRPr kumimoji="1" lang="zh-CN" altLang="en-US"/>
-          </a:p>
-        </p:txBody>
-      </p:sp>
-    </p:spTree>
-    <p:extLst>
-      <p:ext uri="{BB962C8B-B14F-4D97-AF65-F5344CB8AC3E}">
-        <p14:creationId xmlns:p14="http://schemas.microsoft.com/office/powerpoint/2010/main" val="4243720670"/>
-      </p:ext>
-    </p:extLst>
-  </p:cSld>
-  <p:clrMapOvr>
-    <a:masterClrMapping/>
-  </p:clrMapOvr>
-</p:sld>
-</file>
-
-<file path=ppt/slides/slide14.xml><?xml version="1.0" encoding="utf-8"?>
-<p:sld xmlns:a="http://schemas.openxmlformats.org/drawingml/2006/main" xmlns:r="http://schemas.openxmlformats.org/officeDocument/2006/relationships" xmlns:p="http://schemas.openxmlformats.org/presentationml/2006/main">
-  <p:cSld>
-    <p:spTree>
-      <p:nvGrpSpPr>
-        <p:cNvPr id="1" name=""/>
-        <p:cNvGrpSpPr/>
-        <p:nvPr/>
-      </p:nvGrpSpPr>
-      <p:grpSpPr>
-        <a:xfrm>
-          <a:off x="0" y="0"/>
-          <a:ext cx="0" cy="0"/>
-          <a:chOff x="0" y="0"/>
-          <a:chExt cx="0" cy="0"/>
-        </a:xfrm>
-      </p:grpSpPr>
-      <p:sp>
-        <p:nvSpPr>
-          <p:cNvPr id="2" name="标题 1">
-            <a:extLst>
-              <a:ext uri="{FF2B5EF4-FFF2-40B4-BE49-F238E27FC236}">
-                <a16:creationId xmlns:a16="http://schemas.microsoft.com/office/drawing/2014/main" id="{921C9B24-C477-AC4C-8C5A-09995BCADE1F}"/>
-              </a:ext>
-            </a:extLst>
-          </p:cNvPr>
-          <p:cNvSpPr>
-            <a:spLocks noGrp="1"/>
-          </p:cNvSpPr>
-          <p:nvPr>
-            <p:ph type="title"/>
-          </p:nvPr>
-        </p:nvSpPr>
-        <p:spPr/>
-        <p:txBody>
-          <a:bodyPr/>
-          <a:lstStyle/>
-          <a:p>
-            <a:endParaRPr kumimoji="1" lang="zh-CN" altLang="en-US"/>
-          </a:p>
-        </p:txBody>
-      </p:sp>
-      <p:sp>
-        <p:nvSpPr>
-          <p:cNvPr id="3" name="内容占位符 2">
-            <a:extLst>
-              <a:ext uri="{FF2B5EF4-FFF2-40B4-BE49-F238E27FC236}">
-                <a16:creationId xmlns:a16="http://schemas.microsoft.com/office/drawing/2014/main" id="{A567010E-341C-AD42-AA13-E24648CF36CB}"/>
-              </a:ext>
-            </a:extLst>
-          </p:cNvPr>
-          <p:cNvSpPr>
-            <a:spLocks noGrp="1"/>
-          </p:cNvSpPr>
-          <p:nvPr>
-            <p:ph idx="1"/>
-          </p:nvPr>
-        </p:nvSpPr>
-        <p:spPr/>
-        <p:txBody>
-          <a:bodyPr/>
-          <a:lstStyle/>
-          <a:p>
-            <a:endParaRPr kumimoji="1" lang="zh-CN" altLang="en-US"/>
-          </a:p>
-        </p:txBody>
-      </p:sp>
-    </p:spTree>
-    <p:extLst>
-      <p:ext uri="{BB962C8B-B14F-4D97-AF65-F5344CB8AC3E}">
-        <p14:creationId xmlns:p14="http://schemas.microsoft.com/office/powerpoint/2010/main" val="31143215"/>
-      </p:ext>
-    </p:extLst>
-  </p:cSld>
-  <p:clrMapOvr>
-    <a:masterClrMapping/>
-  </p:clrMapOvr>
-</p:sld>
-</file>
-
-<file path=ppt/slides/slide15.xml><?xml version="1.0" encoding="utf-8"?>
-<p:sld xmlns:a="http://schemas.openxmlformats.org/drawingml/2006/main" xmlns:r="http://schemas.openxmlformats.org/officeDocument/2006/relationships" xmlns:p="http://schemas.openxmlformats.org/presentationml/2006/main">
-  <p:cSld>
-    <p:spTree>
-      <p:nvGrpSpPr>
-        <p:cNvPr id="1" name=""/>
-        <p:cNvGrpSpPr/>
-        <p:nvPr/>
-      </p:nvGrpSpPr>
-      <p:grpSpPr>
-        <a:xfrm>
-          <a:off x="0" y="0"/>
-          <a:ext cx="0" cy="0"/>
-          <a:chOff x="0" y="0"/>
-          <a:chExt cx="0" cy="0"/>
-        </a:xfrm>
-      </p:grpSpPr>
-      <p:sp>
-        <p:nvSpPr>
-          <p:cNvPr id="2" name="标题 1">
-            <a:extLst>
-              <a:ext uri="{FF2B5EF4-FFF2-40B4-BE49-F238E27FC236}">
-                <a16:creationId xmlns:a16="http://schemas.microsoft.com/office/drawing/2014/main" id="{BC3D4909-BBA7-284C-95DD-BA25980044BC}"/>
-              </a:ext>
-            </a:extLst>
-          </p:cNvPr>
-          <p:cNvSpPr>
-            <a:spLocks noGrp="1"/>
-          </p:cNvSpPr>
-          <p:nvPr>
-            <p:ph type="title"/>
-          </p:nvPr>
-        </p:nvSpPr>
-        <p:spPr/>
-        <p:txBody>
-          <a:bodyPr/>
-          <a:lstStyle/>
-          <a:p>
-            <a:endParaRPr kumimoji="1" lang="zh-CN" altLang="en-US" dirty="0"/>
-          </a:p>
-        </p:txBody>
-      </p:sp>
-      <p:sp>
-        <p:nvSpPr>
-          <p:cNvPr id="3" name="内容占位符 2">
-            <a:extLst>
-              <a:ext uri="{FF2B5EF4-FFF2-40B4-BE49-F238E27FC236}">
-                <a16:creationId xmlns:a16="http://schemas.microsoft.com/office/drawing/2014/main" id="{07C64AF3-3E20-6243-8051-1B905857075F}"/>
-              </a:ext>
-            </a:extLst>
-          </p:cNvPr>
-          <p:cNvSpPr>
-            <a:spLocks noGrp="1"/>
-          </p:cNvSpPr>
-          <p:nvPr>
-            <p:ph idx="1"/>
-          </p:nvPr>
-        </p:nvSpPr>
-        <p:spPr/>
-        <p:txBody>
-          <a:bodyPr/>
-          <a:lstStyle/>
-          <a:p>
-            <a:endParaRPr kumimoji="1" lang="zh-CN" altLang="en-US"/>
-          </a:p>
-        </p:txBody>
-      </p:sp>
-    </p:spTree>
-    <p:extLst>
-      <p:ext uri="{BB962C8B-B14F-4D97-AF65-F5344CB8AC3E}">
-        <p14:creationId xmlns:p14="http://schemas.microsoft.com/office/powerpoint/2010/main" val="525340342"/>
-      </p:ext>
-    </p:extLst>
-  </p:cSld>
-  <p:clrMapOvr>
-    <a:masterClrMapping/>
-  </p:clrMapOvr>
-</p:sld>
-</file>
-
 <file path=ppt/slides/slide2.xml><?xml version="1.0" encoding="utf-8"?>
 <p:sld xmlns:a="http://schemas.openxmlformats.org/drawingml/2006/main" xmlns:r="http://schemas.openxmlformats.org/officeDocument/2006/relationships" xmlns:p="http://schemas.openxmlformats.org/presentationml/2006/main">
   <p:cSld>
@@ -7647,6 +7242,50 @@
           </a:p>
         </p:txBody>
       </p:sp>
+      <p:sp>
+        <p:nvSpPr>
+          <p:cNvPr id="3" name="文本框 2">
+            <a:extLst>
+              <a:ext uri="{FF2B5EF4-FFF2-40B4-BE49-F238E27FC236}">
+                <a16:creationId xmlns:a16="http://schemas.microsoft.com/office/drawing/2014/main" id="{F3E3AA34-33C2-9C4B-A7A8-1A34CDAAAC89}"/>
+              </a:ext>
+            </a:extLst>
+          </p:cNvPr>
+          <p:cNvSpPr txBox="1"/>
+          <p:nvPr/>
+        </p:nvSpPr>
+        <p:spPr>
+          <a:xfrm>
+            <a:off x="2401824" y="5071872"/>
+            <a:ext cx="1168910" cy="369332"/>
+          </a:xfrm>
+          <a:prstGeom prst="rect">
+            <a:avLst/>
+          </a:prstGeom>
+          <a:noFill/>
+        </p:spPr>
+        <p:txBody>
+          <a:bodyPr wrap="none" rtlCol="0">
+            <a:spAutoFit/>
+          </a:bodyPr>
+          <a:lstStyle/>
+          <a:p>
+            <a:r>
+              <a:rPr kumimoji="1" lang="en-US" altLang="zh-CN" dirty="0">
+                <a:hlinkClick r:id="rId2"/>
+              </a:rPr>
+              <a:t>MESI</a:t>
+            </a:r>
+            <a:r>
+              <a:rPr kumimoji="1" lang="zh-CN" altLang="en-US" dirty="0">
+                <a:hlinkClick r:id="rId2"/>
+              </a:rPr>
+              <a:t>协议</a:t>
+            </a:r>
+            <a:endParaRPr kumimoji="1" lang="zh-CN" altLang="en-US" dirty="0"/>
+          </a:p>
+        </p:txBody>
+      </p:sp>
     </p:spTree>
     <p:extLst>
       <p:ext uri="{BB962C8B-B14F-4D97-AF65-F5344CB8AC3E}">
@@ -8508,6 +8147,50 @@
           </a:extLst>
         </p:spPr>
       </p:pic>
+      <p:sp>
+        <p:nvSpPr>
+          <p:cNvPr id="12" name="文本框 11">
+            <a:extLst>
+              <a:ext uri="{FF2B5EF4-FFF2-40B4-BE49-F238E27FC236}">
+                <a16:creationId xmlns:a16="http://schemas.microsoft.com/office/drawing/2014/main" id="{37E6E577-6C6F-6F40-9A3A-DFF8913567B9}"/>
+              </a:ext>
+            </a:extLst>
+          </p:cNvPr>
+          <p:cNvSpPr txBox="1"/>
+          <p:nvPr/>
+        </p:nvSpPr>
+        <p:spPr>
+          <a:xfrm>
+            <a:off x="2401824" y="5071872"/>
+            <a:ext cx="1168910" cy="369332"/>
+          </a:xfrm>
+          <a:prstGeom prst="rect">
+            <a:avLst/>
+          </a:prstGeom>
+          <a:noFill/>
+        </p:spPr>
+        <p:txBody>
+          <a:bodyPr wrap="none" rtlCol="0">
+            <a:spAutoFit/>
+          </a:bodyPr>
+          <a:lstStyle/>
+          <a:p>
+            <a:r>
+              <a:rPr kumimoji="1" lang="en-US" altLang="zh-CN" dirty="0">
+                <a:hlinkClick r:id="rId3"/>
+              </a:rPr>
+              <a:t>MESI</a:t>
+            </a:r>
+            <a:r>
+              <a:rPr kumimoji="1" lang="zh-CN" altLang="en-US" dirty="0">
+                <a:hlinkClick r:id="rId3"/>
+              </a:rPr>
+              <a:t>协议</a:t>
+            </a:r>
+            <a:endParaRPr kumimoji="1" lang="zh-CN" altLang="en-US" dirty="0"/>
+          </a:p>
+        </p:txBody>
+      </p:sp>
     </p:spTree>
     <p:extLst>
       <p:ext uri="{BB962C8B-B14F-4D97-AF65-F5344CB8AC3E}">
